--- a/ClassMaterials/ComparableAndComparators/Slides/Part2-CourseEvals.pptx
+++ b/ClassMaterials/ComparableAndComparators/Slides/Part2-CourseEvals.pptx
@@ -436,7 +436,7 @@
               <a:pPr>
                 <a:defRPr/>
               </a:pPr>
-              <a:t>11/20/2023</a:t>
+              <a:t>2/25/2024</a:t>
             </a:fld>
             <a:endParaRPr lang="en-US"/>
           </a:p>
@@ -671,7 +671,7 @@
               <a:pPr>
                 <a:defRPr/>
               </a:pPr>
-              <a:t>11/20/2023</a:t>
+              <a:t>2/25/2024</a:t>
             </a:fld>
             <a:endParaRPr lang="en-US"/>
           </a:p>
@@ -1296,10 +1296,25 @@
                 </a:uFill>
                 <a:latin typeface="Arial"/>
               </a:rPr>
-              <a:t>Can update this if there are other things you would </a:t>
-            </a:r>
-            <a:r>
-              <a:rPr lang="en-US" sz="2000" b="0" strike="noStrike" spc="-1">
+              <a:t>YODER  - I use this, but you can decide if you want to or not.</a:t>
+            </a:r>
+          </a:p>
+          <a:p>
+            <a:endParaRPr lang="en-US" sz="2000" b="0" strike="noStrike" spc="-1" dirty="0">
+              <a:solidFill>
+                <a:srgbClr val="000000"/>
+              </a:solidFill>
+              <a:uFill>
+                <a:solidFill>
+                  <a:srgbClr val="FFFFFF"/>
+                </a:solidFill>
+              </a:uFill>
+              <a:latin typeface="Arial"/>
+            </a:endParaRPr>
+          </a:p>
+          <a:p>
+            <a:r>
+              <a:rPr lang="en-US" sz="2000" b="0" strike="noStrike" spc="-1" dirty="0">
                 <a:solidFill>
                   <a:srgbClr val="000000"/>
                 </a:solidFill>
@@ -1310,7 +1325,7 @@
                 </a:uFill>
                 <a:latin typeface="Arial"/>
               </a:rPr>
-              <a:t>like students to do.</a:t>
+              <a:t>Can update this if there are other things you would like students to do.</a:t>
             </a:r>
           </a:p>
         </p:txBody>
@@ -1570,7 +1585,7 @@
               <a:pPr>
                 <a:defRPr/>
               </a:pPr>
-              <a:t>Monday, November 20, 2023</a:t>
+              <a:t>Sunday, February 25, 2024</a:t>
             </a:fld>
             <a:endParaRPr lang="en-US" dirty="0"/>
           </a:p>
@@ -1753,7 +1768,7 @@
               <a:pPr>
                 <a:defRPr/>
               </a:pPr>
-              <a:t>Monday, November 20, 2023</a:t>
+              <a:t>Sunday, February 25, 2024</a:t>
             </a:fld>
             <a:endParaRPr lang="en-US" dirty="0"/>
           </a:p>
@@ -1946,7 +1961,7 @@
               <a:pPr>
                 <a:defRPr/>
               </a:pPr>
-              <a:t>Monday, November 20, 2023</a:t>
+              <a:t>Sunday, February 25, 2024</a:t>
             </a:fld>
             <a:endParaRPr lang="en-US" dirty="0"/>
           </a:p>
@@ -2129,7 +2144,7 @@
               <a:pPr>
                 <a:defRPr/>
               </a:pPr>
-              <a:t>Monday, November 20, 2023</a:t>
+              <a:t>Sunday, February 25, 2024</a:t>
             </a:fld>
             <a:endParaRPr lang="en-US" dirty="0"/>
           </a:p>
@@ -2389,7 +2404,7 @@
               <a:pPr>
                 <a:defRPr/>
               </a:pPr>
-              <a:t>Monday, November 20, 2023</a:t>
+              <a:t>Sunday, February 25, 2024</a:t>
             </a:fld>
             <a:endParaRPr lang="en-US"/>
           </a:p>
@@ -2689,7 +2704,7 @@
               <a:pPr>
                 <a:defRPr/>
               </a:pPr>
-              <a:t>Monday, November 20, 2023</a:t>
+              <a:t>Sunday, February 25, 2024</a:t>
             </a:fld>
             <a:endParaRPr lang="en-US"/>
           </a:p>
@@ -3123,7 +3138,7 @@
               <a:pPr>
                 <a:defRPr/>
               </a:pPr>
-              <a:t>Monday, November 20, 2023</a:t>
+              <a:t>Sunday, February 25, 2024</a:t>
             </a:fld>
             <a:endParaRPr lang="en-US"/>
           </a:p>
@@ -3255,7 +3270,7 @@
               <a:pPr>
                 <a:defRPr/>
               </a:pPr>
-              <a:t>Monday, November 20, 2023</a:t>
+              <a:t>Sunday, February 25, 2024</a:t>
             </a:fld>
             <a:endParaRPr lang="en-US"/>
           </a:p>
@@ -3365,7 +3380,7 @@
               <a:pPr>
                 <a:defRPr/>
               </a:pPr>
-              <a:t>Monday, November 20, 2023</a:t>
+              <a:t>Sunday, February 25, 2024</a:t>
             </a:fld>
             <a:endParaRPr lang="en-US" dirty="0"/>
           </a:p>
@@ -3655,7 +3670,7 @@
               <a:pPr>
                 <a:defRPr/>
               </a:pPr>
-              <a:t>Monday, November 20, 2023</a:t>
+              <a:t>Sunday, February 25, 2024</a:t>
             </a:fld>
             <a:endParaRPr lang="en-US"/>
           </a:p>
@@ -3922,7 +3937,7 @@
               <a:pPr>
                 <a:defRPr/>
               </a:pPr>
-              <a:t>Monday, November 20, 2023</a:t>
+              <a:t>Sunday, February 25, 2024</a:t>
             </a:fld>
             <a:endParaRPr lang="en-US"/>
           </a:p>
@@ -4148,7 +4163,7 @@
               <a:pPr>
                 <a:defRPr/>
               </a:pPr>
-              <a:t>Monday, November 20, 2023</a:t>
+              <a:t>Sunday, February 25, 2024</a:t>
             </a:fld>
             <a:endParaRPr lang="en-US" dirty="0"/>
           </a:p>
@@ -4951,7 +4966,7 @@
                 </a:uFill>
                 <a:latin typeface="Calibri"/>
               </a:rPr>
-              <a:t>Then list at least 3 items you believe would improve CSSE220 for future quarters</a:t>
+              <a:t>Then list your ideas for what you believe would improve CSSE220 for future quarters</a:t>
             </a:r>
           </a:p>
           <a:p>
@@ -5325,6 +5340,36 @@
           </a:p>
         </p:txBody>
       </p:sp>
+      <p:pic>
+        <p:nvPicPr>
+          <p:cNvPr id="3" name="Picture 2">
+            <a:extLst>
+              <a:ext uri="{FF2B5EF4-FFF2-40B4-BE49-F238E27FC236}">
+                <a16:creationId xmlns:a16="http://schemas.microsoft.com/office/drawing/2014/main" id="{E2B3B40A-620A-F2E5-CAE3-853629352822}"/>
+              </a:ext>
+            </a:extLst>
+          </p:cNvPr>
+          <p:cNvPicPr>
+            <a:picLocks noChangeAspect="1"/>
+          </p:cNvPicPr>
+          <p:nvPr/>
+        </p:nvPicPr>
+        <p:blipFill>
+          <a:blip r:embed="rId3"/>
+          <a:stretch>
+            <a:fillRect/>
+          </a:stretch>
+        </p:blipFill>
+        <p:spPr>
+          <a:xfrm>
+            <a:off x="3967449" y="5257800"/>
+            <a:ext cx="5158263" cy="1513776"/>
+          </a:xfrm>
+          <a:prstGeom prst="rect">
+            <a:avLst/>
+          </a:prstGeom>
+        </p:spPr>
+      </p:pic>
     </p:spTree>
     <p:extLst>
       <p:ext uri="{BB962C8B-B14F-4D97-AF65-F5344CB8AC3E}">

--- a/ClassMaterials/ComparableAndComparators/Slides/Part2-CourseEvals.pptx
+++ b/ClassMaterials/ComparableAndComparators/Slides/Part2-CourseEvals.pptx
@@ -436,7 +436,7 @@
               <a:pPr>
                 <a:defRPr/>
               </a:pPr>
-              <a:t>2/25/2024</a:t>
+              <a:t>5/20/2025</a:t>
             </a:fld>
             <a:endParaRPr lang="en-US"/>
           </a:p>
@@ -671,7 +671,7 @@
               <a:pPr>
                 <a:defRPr/>
               </a:pPr>
-              <a:t>2/25/2024</a:t>
+              <a:t>5/20/2025</a:t>
             </a:fld>
             <a:endParaRPr lang="en-US"/>
           </a:p>
@@ -1585,7 +1585,7 @@
               <a:pPr>
                 <a:defRPr/>
               </a:pPr>
-              <a:t>Sunday, February 25, 2024</a:t>
+              <a:t>Tuesday, May 20, 2025</a:t>
             </a:fld>
             <a:endParaRPr lang="en-US" dirty="0"/>
           </a:p>
@@ -1768,7 +1768,7 @@
               <a:pPr>
                 <a:defRPr/>
               </a:pPr>
-              <a:t>Sunday, February 25, 2024</a:t>
+              <a:t>Tuesday, May 20, 2025</a:t>
             </a:fld>
             <a:endParaRPr lang="en-US" dirty="0"/>
           </a:p>
@@ -1961,7 +1961,7 @@
               <a:pPr>
                 <a:defRPr/>
               </a:pPr>
-              <a:t>Sunday, February 25, 2024</a:t>
+              <a:t>Tuesday, May 20, 2025</a:t>
             </a:fld>
             <a:endParaRPr lang="en-US" dirty="0"/>
           </a:p>
@@ -2144,7 +2144,7 @@
               <a:pPr>
                 <a:defRPr/>
               </a:pPr>
-              <a:t>Sunday, February 25, 2024</a:t>
+              <a:t>Tuesday, May 20, 2025</a:t>
             </a:fld>
             <a:endParaRPr lang="en-US" dirty="0"/>
           </a:p>
@@ -2404,7 +2404,7 @@
               <a:pPr>
                 <a:defRPr/>
               </a:pPr>
-              <a:t>Sunday, February 25, 2024</a:t>
+              <a:t>Tuesday, May 20, 2025</a:t>
             </a:fld>
             <a:endParaRPr lang="en-US"/>
           </a:p>
@@ -2704,7 +2704,7 @@
               <a:pPr>
                 <a:defRPr/>
               </a:pPr>
-              <a:t>Sunday, February 25, 2024</a:t>
+              <a:t>Tuesday, May 20, 2025</a:t>
             </a:fld>
             <a:endParaRPr lang="en-US"/>
           </a:p>
@@ -3138,7 +3138,7 @@
               <a:pPr>
                 <a:defRPr/>
               </a:pPr>
-              <a:t>Sunday, February 25, 2024</a:t>
+              <a:t>Tuesday, May 20, 2025</a:t>
             </a:fld>
             <a:endParaRPr lang="en-US"/>
           </a:p>
@@ -3270,7 +3270,7 @@
               <a:pPr>
                 <a:defRPr/>
               </a:pPr>
-              <a:t>Sunday, February 25, 2024</a:t>
+              <a:t>Tuesday, May 20, 2025</a:t>
             </a:fld>
             <a:endParaRPr lang="en-US"/>
           </a:p>
@@ -3380,7 +3380,7 @@
               <a:pPr>
                 <a:defRPr/>
               </a:pPr>
-              <a:t>Sunday, February 25, 2024</a:t>
+              <a:t>Tuesday, May 20, 2025</a:t>
             </a:fld>
             <a:endParaRPr lang="en-US" dirty="0"/>
           </a:p>
@@ -3670,7 +3670,7 @@
               <a:pPr>
                 <a:defRPr/>
               </a:pPr>
-              <a:t>Sunday, February 25, 2024</a:t>
+              <a:t>Tuesday, May 20, 2025</a:t>
             </a:fld>
             <a:endParaRPr lang="en-US"/>
           </a:p>
@@ -3937,7 +3937,7 @@
               <a:pPr>
                 <a:defRPr/>
               </a:pPr>
-              <a:t>Sunday, February 25, 2024</a:t>
+              <a:t>Tuesday, May 20, 2025</a:t>
             </a:fld>
             <a:endParaRPr lang="en-US"/>
           </a:p>
@@ -4163,7 +4163,7 @@
               <a:pPr>
                 <a:defRPr/>
               </a:pPr>
-              <a:t>Sunday, February 25, 2024</a:t>
+              <a:t>Tuesday, May 20, 2025</a:t>
             </a:fld>
             <a:endParaRPr lang="en-US" dirty="0"/>
           </a:p>
@@ -5058,7 +5058,7 @@
 </file>
 
 <file path=ppt/slides/slide4.xml><?xml version="1.0" encoding="utf-8"?>
-<p:sld xmlns:a="http://schemas.openxmlformats.org/drawingml/2006/main" xmlns:r="http://schemas.openxmlformats.org/officeDocument/2006/relationships" xmlns:p="http://schemas.openxmlformats.org/presentationml/2006/main">
+<p:sld xmlns:a="http://schemas.openxmlformats.org/drawingml/2006/main" xmlns:r="http://schemas.openxmlformats.org/officeDocument/2006/relationships" xmlns:p="http://schemas.openxmlformats.org/presentationml/2006/main" show="0">
   <p:cSld>
     <p:spTree>
       <p:nvGrpSpPr>
